--- a/DOCUMENTATION/Verification_Test_Bench.pptx
+++ b/DOCUMENTATION/Verification_Test_Bench.pptx
@@ -262,7 +262,7 @@
   </p:defaultTextStyle>
   <p:extLst>
     <p:ext uri="http://customooxmlschemas.google.com/">
-      <go:slidesCustomData xmlns:go="http://customooxmlschemas.google.com/" xmlns:ahyp="http://schemas.microsoft.com/office/drawing/2018/hyperlinkcolor" xmlns:p15="http://schemas.microsoft.com/office/powerpoint/2012/main" xmlns:p14="http://schemas.microsoft.com/office/powerpoint/2010/main" xmlns:com="http://schemas.openxmlformats.org/drawingml/2006/compatibility" xmlns:pvml="urn:schemas-microsoft-com:office:powerpoint" xmlns:v="urn:schemas-microsoft-com:vml" xmlns:o="urn:schemas-microsoft-com:office:office" xmlns:dgm="http://schemas.openxmlformats.org/drawingml/2006/diagram" xmlns:c="http://schemas.openxmlformats.org/drawingml/2006/chart" xmlns:mv="urn:schemas-microsoft-com:mac:vml" xmlns:mc="http://schemas.openxmlformats.org/markup-compatibility/2006" xmlns="" r:id="rId28" roundtripDataSignature="AMtx7miOSFf9+ExwFz3ho+ktH/uRBezNxw=="/>
+      <go:slidesCustomData xmlns="" xmlns:mc="http://schemas.openxmlformats.org/markup-compatibility/2006" xmlns:mv="urn:schemas-microsoft-com:mac:vml" xmlns:c="http://schemas.openxmlformats.org/drawingml/2006/chart" xmlns:dgm="http://schemas.openxmlformats.org/drawingml/2006/diagram" xmlns:o="urn:schemas-microsoft-com:office:office" xmlns:v="urn:schemas-microsoft-com:vml" xmlns:pvml="urn:schemas-microsoft-com:office:powerpoint" xmlns:com="http://schemas.openxmlformats.org/drawingml/2006/compatibility" xmlns:p14="http://schemas.microsoft.com/office/powerpoint/2010/main" xmlns:p15="http://schemas.microsoft.com/office/powerpoint/2012/main" xmlns:ahyp="http://schemas.microsoft.com/office/drawing/2018/hyperlinkcolor" xmlns:go="http://customooxmlschemas.google.com/" r:id="rId28" roundtripDataSignature="AMtx7miOSFf9+ExwFz3ho+ktH/uRBezNxw=="/>
     </p:ext>
   </p:extLst>
 </p:presentation>
@@ -12374,6 +12374,40 @@
           </a:p>
         </p:txBody>
       </p:sp>
+      <p:sp>
+        <p:nvSpPr>
+          <p:cNvPr id="6" name="TextBox 5"/>
+          <p:cNvSpPr txBox="1"/>
+          <p:nvPr/>
+        </p:nvSpPr>
+        <p:spPr>
+          <a:xfrm>
+            <a:off x="228600" y="6470846"/>
+            <a:ext cx="5257800" cy="307777"/>
+          </a:xfrm>
+          <a:prstGeom prst="rect">
+            <a:avLst/>
+          </a:prstGeom>
+          <a:noFill/>
+        </p:spPr>
+        <p:txBody>
+          <a:bodyPr wrap="square" rtlCol="0">
+            <a:spAutoFit/>
+          </a:bodyPr>
+          <a:lstStyle/>
+          <a:p>
+            <a:r>
+              <a:rPr lang="en-US" dirty="0"/>
+              <a:t>UCSD WES Cohort 9, All Rights Reserved</a:t>
+            </a:r>
+            <a:r>
+              <a:rPr lang="en-US" dirty="0" smtClean="0"/>
+              <a:t>.</a:t>
+            </a:r>
+            <a:endParaRPr lang="en-US" dirty="0"/>
+          </a:p>
+        </p:txBody>
+      </p:sp>
     </p:spTree>
   </p:cSld>
   <p:clrMapOvr>
@@ -12971,7 +13005,7 @@
                 <a:hlinkClick r:id="rId3">
                   <a:extLst>
                     <a:ext uri="{A12FA001-AC4F-418D-AE19-62706E023703}">
-                      <ahyp:hlinkClr xmlns:ahyp="http://schemas.microsoft.com/office/drawing/2018/hyperlinkcolor" xmlns:p15="http://schemas.microsoft.com/office/powerpoint/2012/main" xmlns:p14="http://schemas.microsoft.com/office/powerpoint/2010/main" xmlns:com="http://schemas.openxmlformats.org/drawingml/2006/compatibility" xmlns:pvml="urn:schemas-microsoft-com:office:powerpoint" xmlns:v="urn:schemas-microsoft-com:vml" xmlns:o="urn:schemas-microsoft-com:office:office" xmlns:dgm="http://schemas.openxmlformats.org/drawingml/2006/diagram" xmlns:c="http://schemas.openxmlformats.org/drawingml/2006/chart" xmlns:mv="urn:schemas-microsoft-com:mac:vml" xmlns:mc="http://schemas.openxmlformats.org/markup-compatibility/2006" xmlns="" val="tx"/>
+                      <ahyp:hlinkClr xmlns="" xmlns:mc="http://schemas.openxmlformats.org/markup-compatibility/2006" xmlns:mv="urn:schemas-microsoft-com:mac:vml" xmlns:c="http://schemas.openxmlformats.org/drawingml/2006/chart" xmlns:dgm="http://schemas.openxmlformats.org/drawingml/2006/diagram" xmlns:o="urn:schemas-microsoft-com:office:office" xmlns:v="urn:schemas-microsoft-com:vml" xmlns:pvml="urn:schemas-microsoft-com:office:powerpoint" xmlns:com="http://schemas.openxmlformats.org/drawingml/2006/compatibility" xmlns:p14="http://schemas.microsoft.com/office/powerpoint/2010/main" xmlns:p15="http://schemas.microsoft.com/office/powerpoint/2012/main" xmlns:ahyp="http://schemas.microsoft.com/office/drawing/2018/hyperlinkcolor" val="tx"/>
                     </a:ext>
                   </a:extLst>
                 </a:hlinkClick>
@@ -13018,7 +13052,7 @@
                 <a:hlinkClick r:id="rId4">
                   <a:extLst>
                     <a:ext uri="{A12FA001-AC4F-418D-AE19-62706E023703}">
-                      <ahyp:hlinkClr xmlns:ahyp="http://schemas.microsoft.com/office/drawing/2018/hyperlinkcolor" xmlns:p15="http://schemas.microsoft.com/office/powerpoint/2012/main" xmlns:p14="http://schemas.microsoft.com/office/powerpoint/2010/main" xmlns:com="http://schemas.openxmlformats.org/drawingml/2006/compatibility" xmlns:pvml="urn:schemas-microsoft-com:office:powerpoint" xmlns:v="urn:schemas-microsoft-com:vml" xmlns:o="urn:schemas-microsoft-com:office:office" xmlns:dgm="http://schemas.openxmlformats.org/drawingml/2006/diagram" xmlns:c="http://schemas.openxmlformats.org/drawingml/2006/chart" xmlns:mv="urn:schemas-microsoft-com:mac:vml" xmlns:mc="http://schemas.openxmlformats.org/markup-compatibility/2006" xmlns="" val="tx"/>
+                      <ahyp:hlinkClr xmlns="" xmlns:mc="http://schemas.openxmlformats.org/markup-compatibility/2006" xmlns:mv="urn:schemas-microsoft-com:mac:vml" xmlns:c="http://schemas.openxmlformats.org/drawingml/2006/chart" xmlns:dgm="http://schemas.openxmlformats.org/drawingml/2006/diagram" xmlns:o="urn:schemas-microsoft-com:office:office" xmlns:v="urn:schemas-microsoft-com:vml" xmlns:pvml="urn:schemas-microsoft-com:office:powerpoint" xmlns:com="http://schemas.openxmlformats.org/drawingml/2006/compatibility" xmlns:p14="http://schemas.microsoft.com/office/powerpoint/2010/main" xmlns:p15="http://schemas.microsoft.com/office/powerpoint/2012/main" xmlns:ahyp="http://schemas.microsoft.com/office/drawing/2018/hyperlinkcolor" val="tx"/>
                     </a:ext>
                   </a:extLst>
                 </a:hlinkClick>
@@ -13065,7 +13099,7 @@
                 <a:hlinkClick r:id="rId5">
                   <a:extLst>
                     <a:ext uri="{A12FA001-AC4F-418D-AE19-62706E023703}">
-                      <ahyp:hlinkClr xmlns:ahyp="http://schemas.microsoft.com/office/drawing/2018/hyperlinkcolor" xmlns:p15="http://schemas.microsoft.com/office/powerpoint/2012/main" xmlns:p14="http://schemas.microsoft.com/office/powerpoint/2010/main" xmlns:com="http://schemas.openxmlformats.org/drawingml/2006/compatibility" xmlns:pvml="urn:schemas-microsoft-com:office:powerpoint" xmlns:v="urn:schemas-microsoft-com:vml" xmlns:o="urn:schemas-microsoft-com:office:office" xmlns:dgm="http://schemas.openxmlformats.org/drawingml/2006/diagram" xmlns:c="http://schemas.openxmlformats.org/drawingml/2006/chart" xmlns:mv="urn:schemas-microsoft-com:mac:vml" xmlns:mc="http://schemas.openxmlformats.org/markup-compatibility/2006" xmlns="" val="tx"/>
+                      <ahyp:hlinkClr xmlns="" xmlns:mc="http://schemas.openxmlformats.org/markup-compatibility/2006" xmlns:mv="urn:schemas-microsoft-com:mac:vml" xmlns:c="http://schemas.openxmlformats.org/drawingml/2006/chart" xmlns:dgm="http://schemas.openxmlformats.org/drawingml/2006/diagram" xmlns:o="urn:schemas-microsoft-com:office:office" xmlns:v="urn:schemas-microsoft-com:vml" xmlns:pvml="urn:schemas-microsoft-com:office:powerpoint" xmlns:com="http://schemas.openxmlformats.org/drawingml/2006/compatibility" xmlns:p14="http://schemas.microsoft.com/office/powerpoint/2010/main" xmlns:p15="http://schemas.microsoft.com/office/powerpoint/2012/main" xmlns:ahyp="http://schemas.microsoft.com/office/drawing/2018/hyperlinkcolor" val="tx"/>
                     </a:ext>
                   </a:extLst>
                 </a:hlinkClick>
@@ -13277,6 +13311,40 @@
           </a:ln>
         </p:spPr>
       </p:pic>
+      <p:sp>
+        <p:nvSpPr>
+          <p:cNvPr id="7" name="TextBox 6"/>
+          <p:cNvSpPr txBox="1"/>
+          <p:nvPr/>
+        </p:nvSpPr>
+        <p:spPr>
+          <a:xfrm>
+            <a:off x="228600" y="6470846"/>
+            <a:ext cx="5257800" cy="307777"/>
+          </a:xfrm>
+          <a:prstGeom prst="rect">
+            <a:avLst/>
+          </a:prstGeom>
+          <a:noFill/>
+        </p:spPr>
+        <p:txBody>
+          <a:bodyPr wrap="square" rtlCol="0">
+            <a:spAutoFit/>
+          </a:bodyPr>
+          <a:lstStyle/>
+          <a:p>
+            <a:r>
+              <a:rPr lang="en-US" dirty="0"/>
+              <a:t>UCSD WES Cohort 9, All Rights Reserved</a:t>
+            </a:r>
+            <a:r>
+              <a:rPr lang="en-US" dirty="0" smtClean="0"/>
+              <a:t>.</a:t>
+            </a:r>
+            <a:endParaRPr lang="en-US" dirty="0"/>
+          </a:p>
+        </p:txBody>
+      </p:sp>
     </p:spTree>
   </p:cSld>
   <p:clrMapOvr>
@@ -14238,6 +14306,40 @@
           </a:ln>
         </p:spPr>
       </p:pic>
+      <p:sp>
+        <p:nvSpPr>
+          <p:cNvPr id="11" name="TextBox 10"/>
+          <p:cNvSpPr txBox="1"/>
+          <p:nvPr/>
+        </p:nvSpPr>
+        <p:spPr>
+          <a:xfrm>
+            <a:off x="8229600" y="246611"/>
+            <a:ext cx="3809999" cy="307777"/>
+          </a:xfrm>
+          <a:prstGeom prst="rect">
+            <a:avLst/>
+          </a:prstGeom>
+          <a:noFill/>
+        </p:spPr>
+        <p:txBody>
+          <a:bodyPr wrap="square" rtlCol="0">
+            <a:spAutoFit/>
+          </a:bodyPr>
+          <a:lstStyle/>
+          <a:p>
+            <a:r>
+              <a:rPr lang="en-US" dirty="0"/>
+              <a:t>UCSD WES Cohort 9, All Rights Reserved</a:t>
+            </a:r>
+            <a:r>
+              <a:rPr lang="en-US" dirty="0" smtClean="0"/>
+              <a:t>.</a:t>
+            </a:r>
+            <a:endParaRPr lang="en-US" dirty="0"/>
+          </a:p>
+        </p:txBody>
+      </p:sp>
     </p:spTree>
   </p:cSld>
   <p:clrMapOvr>
@@ -14867,7 +14969,7 @@
                 <a:hlinkClick r:id="rId3">
                   <a:extLst>
                     <a:ext uri="{A12FA001-AC4F-418D-AE19-62706E023703}">
-                      <ahyp:hlinkClr xmlns:ahyp="http://schemas.microsoft.com/office/drawing/2018/hyperlinkcolor" xmlns:p15="http://schemas.microsoft.com/office/powerpoint/2012/main" xmlns:p14="http://schemas.microsoft.com/office/powerpoint/2010/main" xmlns:com="http://schemas.openxmlformats.org/drawingml/2006/compatibility" xmlns:pvml="urn:schemas-microsoft-com:office:powerpoint" xmlns:v="urn:schemas-microsoft-com:vml" xmlns:o="urn:schemas-microsoft-com:office:office" xmlns:dgm="http://schemas.openxmlformats.org/drawingml/2006/diagram" xmlns:c="http://schemas.openxmlformats.org/drawingml/2006/chart" xmlns:mv="urn:schemas-microsoft-com:mac:vml" xmlns:mc="http://schemas.openxmlformats.org/markup-compatibility/2006" xmlns="" val="tx"/>
+                      <ahyp:hlinkClr xmlns="" xmlns:mc="http://schemas.openxmlformats.org/markup-compatibility/2006" xmlns:mv="urn:schemas-microsoft-com:mac:vml" xmlns:c="http://schemas.openxmlformats.org/drawingml/2006/chart" xmlns:dgm="http://schemas.openxmlformats.org/drawingml/2006/diagram" xmlns:o="urn:schemas-microsoft-com:office:office" xmlns:v="urn:schemas-microsoft-com:vml" xmlns:pvml="urn:schemas-microsoft-com:office:powerpoint" xmlns:com="http://schemas.openxmlformats.org/drawingml/2006/compatibility" xmlns:p14="http://schemas.microsoft.com/office/powerpoint/2010/main" xmlns:p15="http://schemas.microsoft.com/office/powerpoint/2012/main" xmlns:ahyp="http://schemas.microsoft.com/office/drawing/2018/hyperlinkcolor" val="tx"/>
                     </a:ext>
                   </a:extLst>
                 </a:hlinkClick>
@@ -14914,7 +15016,7 @@
                 <a:hlinkClick r:id="rId4">
                   <a:extLst>
                     <a:ext uri="{A12FA001-AC4F-418D-AE19-62706E023703}">
-                      <ahyp:hlinkClr xmlns:ahyp="http://schemas.microsoft.com/office/drawing/2018/hyperlinkcolor" xmlns:p15="http://schemas.microsoft.com/office/powerpoint/2012/main" xmlns:p14="http://schemas.microsoft.com/office/powerpoint/2010/main" xmlns:com="http://schemas.openxmlformats.org/drawingml/2006/compatibility" xmlns:pvml="urn:schemas-microsoft-com:office:powerpoint" xmlns:v="urn:schemas-microsoft-com:vml" xmlns:o="urn:schemas-microsoft-com:office:office" xmlns:dgm="http://schemas.openxmlformats.org/drawingml/2006/diagram" xmlns:c="http://schemas.openxmlformats.org/drawingml/2006/chart" xmlns:mv="urn:schemas-microsoft-com:mac:vml" xmlns:mc="http://schemas.openxmlformats.org/markup-compatibility/2006" xmlns="" val="tx"/>
+                      <ahyp:hlinkClr xmlns="" xmlns:mc="http://schemas.openxmlformats.org/markup-compatibility/2006" xmlns:mv="urn:schemas-microsoft-com:mac:vml" xmlns:c="http://schemas.openxmlformats.org/drawingml/2006/chart" xmlns:dgm="http://schemas.openxmlformats.org/drawingml/2006/diagram" xmlns:o="urn:schemas-microsoft-com:office:office" xmlns:v="urn:schemas-microsoft-com:vml" xmlns:pvml="urn:schemas-microsoft-com:office:powerpoint" xmlns:com="http://schemas.openxmlformats.org/drawingml/2006/compatibility" xmlns:p14="http://schemas.microsoft.com/office/powerpoint/2010/main" xmlns:p15="http://schemas.microsoft.com/office/powerpoint/2012/main" xmlns:ahyp="http://schemas.microsoft.com/office/drawing/2018/hyperlinkcolor" val="tx"/>
                     </a:ext>
                   </a:extLst>
                 </a:hlinkClick>
@@ -14973,7 +15075,7 @@
                 <a:hlinkClick r:id="rId5">
                   <a:extLst>
                     <a:ext uri="{A12FA001-AC4F-418D-AE19-62706E023703}">
-                      <ahyp:hlinkClr xmlns:ahyp="http://schemas.microsoft.com/office/drawing/2018/hyperlinkcolor" xmlns:p15="http://schemas.microsoft.com/office/powerpoint/2012/main" xmlns:p14="http://schemas.microsoft.com/office/powerpoint/2010/main" xmlns:com="http://schemas.openxmlformats.org/drawingml/2006/compatibility" xmlns:pvml="urn:schemas-microsoft-com:office:powerpoint" xmlns:v="urn:schemas-microsoft-com:vml" xmlns:o="urn:schemas-microsoft-com:office:office" xmlns:dgm="http://schemas.openxmlformats.org/drawingml/2006/diagram" xmlns:c="http://schemas.openxmlformats.org/drawingml/2006/chart" xmlns:mv="urn:schemas-microsoft-com:mac:vml" xmlns:mc="http://schemas.openxmlformats.org/markup-compatibility/2006" xmlns="" val="tx"/>
+                      <ahyp:hlinkClr xmlns="" xmlns:mc="http://schemas.openxmlformats.org/markup-compatibility/2006" xmlns:mv="urn:schemas-microsoft-com:mac:vml" xmlns:c="http://schemas.openxmlformats.org/drawingml/2006/chart" xmlns:dgm="http://schemas.openxmlformats.org/drawingml/2006/diagram" xmlns:o="urn:schemas-microsoft-com:office:office" xmlns:v="urn:schemas-microsoft-com:vml" xmlns:pvml="urn:schemas-microsoft-com:office:powerpoint" xmlns:com="http://schemas.openxmlformats.org/drawingml/2006/compatibility" xmlns:p14="http://schemas.microsoft.com/office/powerpoint/2010/main" xmlns:p15="http://schemas.microsoft.com/office/powerpoint/2012/main" xmlns:ahyp="http://schemas.microsoft.com/office/drawing/2018/hyperlinkcolor" val="tx"/>
                     </a:ext>
                   </a:extLst>
                 </a:hlinkClick>
@@ -15020,7 +15122,7 @@
                 <a:hlinkClick r:id="rId6">
                   <a:extLst>
                     <a:ext uri="{A12FA001-AC4F-418D-AE19-62706E023703}">
-                      <ahyp:hlinkClr xmlns:ahyp="http://schemas.microsoft.com/office/drawing/2018/hyperlinkcolor" xmlns:p15="http://schemas.microsoft.com/office/powerpoint/2012/main" xmlns:p14="http://schemas.microsoft.com/office/powerpoint/2010/main" xmlns:com="http://schemas.openxmlformats.org/drawingml/2006/compatibility" xmlns:pvml="urn:schemas-microsoft-com:office:powerpoint" xmlns:v="urn:schemas-microsoft-com:vml" xmlns:o="urn:schemas-microsoft-com:office:office" xmlns:dgm="http://schemas.openxmlformats.org/drawingml/2006/diagram" xmlns:c="http://schemas.openxmlformats.org/drawingml/2006/chart" xmlns:mv="urn:schemas-microsoft-com:mac:vml" xmlns:mc="http://schemas.openxmlformats.org/markup-compatibility/2006" xmlns="" val="tx"/>
+                      <ahyp:hlinkClr xmlns="" xmlns:mc="http://schemas.openxmlformats.org/markup-compatibility/2006" xmlns:mv="urn:schemas-microsoft-com:mac:vml" xmlns:c="http://schemas.openxmlformats.org/drawingml/2006/chart" xmlns:dgm="http://schemas.openxmlformats.org/drawingml/2006/diagram" xmlns:o="urn:schemas-microsoft-com:office:office" xmlns:v="urn:schemas-microsoft-com:vml" xmlns:pvml="urn:schemas-microsoft-com:office:powerpoint" xmlns:com="http://schemas.openxmlformats.org/drawingml/2006/compatibility" xmlns:p14="http://schemas.microsoft.com/office/powerpoint/2010/main" xmlns:p15="http://schemas.microsoft.com/office/powerpoint/2012/main" xmlns:ahyp="http://schemas.microsoft.com/office/drawing/2018/hyperlinkcolor" val="tx"/>
                     </a:ext>
                   </a:extLst>
                 </a:hlinkClick>
@@ -15067,7 +15169,7 @@
                 <a:hlinkClick r:id="rId7">
                   <a:extLst>
                     <a:ext uri="{A12FA001-AC4F-418D-AE19-62706E023703}">
-                      <ahyp:hlinkClr xmlns:ahyp="http://schemas.microsoft.com/office/drawing/2018/hyperlinkcolor" xmlns:p15="http://schemas.microsoft.com/office/powerpoint/2012/main" xmlns:p14="http://schemas.microsoft.com/office/powerpoint/2010/main" xmlns:com="http://schemas.openxmlformats.org/drawingml/2006/compatibility" xmlns:pvml="urn:schemas-microsoft-com:office:powerpoint" xmlns:v="urn:schemas-microsoft-com:vml" xmlns:o="urn:schemas-microsoft-com:office:office" xmlns:dgm="http://schemas.openxmlformats.org/drawingml/2006/diagram" xmlns:c="http://schemas.openxmlformats.org/drawingml/2006/chart" xmlns:mv="urn:schemas-microsoft-com:mac:vml" xmlns:mc="http://schemas.openxmlformats.org/markup-compatibility/2006" xmlns="" val="tx"/>
+                      <ahyp:hlinkClr xmlns="" xmlns:mc="http://schemas.openxmlformats.org/markup-compatibility/2006" xmlns:mv="urn:schemas-microsoft-com:mac:vml" xmlns:c="http://schemas.openxmlformats.org/drawingml/2006/chart" xmlns:dgm="http://schemas.openxmlformats.org/drawingml/2006/diagram" xmlns:o="urn:schemas-microsoft-com:office:office" xmlns:v="urn:schemas-microsoft-com:vml" xmlns:pvml="urn:schemas-microsoft-com:office:powerpoint" xmlns:com="http://schemas.openxmlformats.org/drawingml/2006/compatibility" xmlns:p14="http://schemas.microsoft.com/office/powerpoint/2010/main" xmlns:p15="http://schemas.microsoft.com/office/powerpoint/2012/main" xmlns:ahyp="http://schemas.microsoft.com/office/drawing/2018/hyperlinkcolor" val="tx"/>
                     </a:ext>
                   </a:extLst>
                 </a:hlinkClick>
@@ -15364,6 +15466,40 @@
           </a:ln>
         </p:spPr>
       </p:pic>
+      <p:sp>
+        <p:nvSpPr>
+          <p:cNvPr id="6" name="TextBox 5"/>
+          <p:cNvSpPr txBox="1"/>
+          <p:nvPr/>
+        </p:nvSpPr>
+        <p:spPr>
+          <a:xfrm>
+            <a:off x="228600" y="6470846"/>
+            <a:ext cx="5257800" cy="307777"/>
+          </a:xfrm>
+          <a:prstGeom prst="rect">
+            <a:avLst/>
+          </a:prstGeom>
+          <a:noFill/>
+        </p:spPr>
+        <p:txBody>
+          <a:bodyPr wrap="square" rtlCol="0">
+            <a:spAutoFit/>
+          </a:bodyPr>
+          <a:lstStyle/>
+          <a:p>
+            <a:r>
+              <a:rPr lang="en-US" dirty="0"/>
+              <a:t>UCSD WES Cohort 9, All Rights Reserved</a:t>
+            </a:r>
+            <a:r>
+              <a:rPr lang="en-US" dirty="0" smtClean="0"/>
+              <a:t>.</a:t>
+            </a:r>
+            <a:endParaRPr lang="en-US" dirty="0"/>
+          </a:p>
+        </p:txBody>
+      </p:sp>
     </p:spTree>
   </p:cSld>
   <p:clrMapOvr>
